--- a/chapter10.pptx
+++ b/chapter10.pptx
@@ -1722,7 +1722,7 @@
           </a:bodyPr>
           <a:p>
             <a:pPr algn="r"/>
-            <a:fld id="{FF055A20-6865-458E-9D2D-6C3378BB306C}" type="slidenum">
+            <a:fld id="{6DF6F6DB-486B-4FEC-B7E3-0B9B1F7764F9}" type="slidenum">
               <a:rPr b="0" lang="en-US" sz="1400" spc="-1" strike="noStrike">
                 <a:latin typeface="Times New Roman"/>
               </a:rPr>
@@ -1940,7 +1940,7 @@
         <p:spPr>
           <a:xfrm>
             <a:off x="184680" y="1329840"/>
-            <a:ext cx="7130160" cy="3310920"/>
+            <a:ext cx="7130520" cy="3310920"/>
           </a:xfrm>
           <a:prstGeom prst="rect">
             <a:avLst/>
@@ -2038,7 +2038,7 @@
               <a:rPr b="0" lang="en-US" sz="1600" spc="-1" strike="noStrike">
                 <a:latin typeface="Courier New"/>
               </a:rPr>
-              <a:t>public static Point movePoint(</a:t>
+              <a:t>public static Point movePoint(P</a:t>
             </a:r>
             <a:r>
               <a:rPr b="0" lang="en-US" sz="1600" spc="-1" strike="noStrike">
@@ -2047,7 +2047,7 @@
                 </a:highlight>
                 <a:latin typeface="Courier New"/>
               </a:rPr>
-              <a:t>point pt</a:t>
+              <a:t>oint pt</a:t>
             </a:r>
             <a:r>
               <a:rPr b="0" lang="en-US" sz="1600" spc="-1" strike="noStrike">
@@ -4173,7 +4173,7 @@
               <a:t>public class Point {</a:t>
             </a:r>
             <a:endParaRPr b="0" lang="en-US" sz="1800" spc="-1" strike="noStrike">
-              <a:latin typeface="Courier New"/>
+              <a:latin typeface="Arial"/>
             </a:endParaRPr>
           </a:p>
           <a:p>
@@ -4205,7 +4205,7 @@
               <a:t>;</a:t>
             </a:r>
             <a:endParaRPr b="0" lang="en-US" sz="1800" spc="-1" strike="noStrike">
-              <a:latin typeface="Courier New"/>
+              <a:latin typeface="Arial"/>
             </a:endParaRPr>
           </a:p>
           <a:p>
@@ -4237,12 +4237,12 @@
               <a:t>;</a:t>
             </a:r>
             <a:endParaRPr b="0" lang="en-US" sz="1800" spc="-1" strike="noStrike">
-              <a:latin typeface="Courier New"/>
+              <a:latin typeface="Arial"/>
             </a:endParaRPr>
           </a:p>
           <a:p>
             <a:endParaRPr b="0" lang="en-US" sz="1800" spc="-1" strike="noStrike">
-              <a:latin typeface="Courier New"/>
+              <a:latin typeface="Arial"/>
             </a:endParaRPr>
           </a:p>
           <a:p>
@@ -4259,7 +4259,7 @@
               <a:t>public void translate(int dx, int dy) {</a:t>
             </a:r>
             <a:endParaRPr b="0" lang="en-US" sz="1800" spc="-1" strike="noStrike">
-              <a:latin typeface="Courier New"/>
+              <a:latin typeface="Arial"/>
             </a:endParaRPr>
           </a:p>
           <a:p>
@@ -4276,7 +4276,7 @@
               <a:t>int oldv = this.x;</a:t>
             </a:r>
             <a:endParaRPr b="0" lang="en-US" sz="1800" spc="-1" strike="noStrike">
-              <a:latin typeface="Courier New"/>
+              <a:latin typeface="Arial"/>
             </a:endParaRPr>
           </a:p>
           <a:p>
@@ -4293,7 +4293,7 @@
               <a:t>int newv = oldv + dx;</a:t>
             </a:r>
             <a:endParaRPr b="0" lang="en-US" sz="1800" spc="-1" strike="noStrike">
-              <a:latin typeface="Courier New"/>
+              <a:latin typeface="Arial"/>
             </a:endParaRPr>
           </a:p>
           <a:p>
@@ -4310,7 +4310,7 @@
               <a:t>if (dx &lt; 0) {</a:t>
             </a:r>
             <a:endParaRPr b="0" lang="en-US" sz="1800" spc="-1" strike="noStrike">
-              <a:latin typeface="Courier New"/>
+              <a:latin typeface="Arial"/>
             </a:endParaRPr>
           </a:p>
           <a:p>
@@ -4321,12 +4321,12 @@
               <a:t>...</a:t>
             </a:r>
             <a:endParaRPr b="0" lang="en-US" sz="1800" spc="-1" strike="noStrike">
-              <a:latin typeface="Courier New"/>
+              <a:latin typeface="Arial"/>
             </a:endParaRPr>
           </a:p>
           <a:p>
             <a:endParaRPr b="0" lang="en-US" sz="1800" spc="-1" strike="noStrike">
-              <a:latin typeface="Courier New"/>
+              <a:latin typeface="Arial"/>
             </a:endParaRPr>
           </a:p>
         </p:txBody>
@@ -4516,7 +4516,7 @@
               <a:t>public class Point {</a:t>
             </a:r>
             <a:endParaRPr b="0" lang="en-US" sz="1800" spc="-1" strike="noStrike">
-              <a:latin typeface="Courier New"/>
+              <a:latin typeface="Arial"/>
             </a:endParaRPr>
           </a:p>
           <a:p>
@@ -4533,7 +4533,7 @@
               <a:t>public int x;</a:t>
             </a:r>
             <a:endParaRPr b="0" lang="en-US" sz="1800" spc="-1" strike="noStrike">
-              <a:latin typeface="Courier New"/>
+              <a:latin typeface="Arial"/>
             </a:endParaRPr>
           </a:p>
           <a:p>
@@ -4550,12 +4550,12 @@
               <a:t>public int y;</a:t>
             </a:r>
             <a:endParaRPr b="0" lang="en-US" sz="1800" spc="-1" strike="noStrike">
-              <a:latin typeface="Courier New"/>
+              <a:latin typeface="Arial"/>
             </a:endParaRPr>
           </a:p>
           <a:p>
             <a:endParaRPr b="0" lang="en-US" sz="1800" spc="-1" strike="noStrike">
-              <a:latin typeface="Courier New"/>
+              <a:latin typeface="Arial"/>
             </a:endParaRPr>
           </a:p>
           <a:p>
@@ -4602,7 +4602,7 @@
               <a:t>) {</a:t>
             </a:r>
             <a:endParaRPr b="0" lang="en-US" sz="1800" spc="-1" strike="noStrike">
-              <a:latin typeface="Courier New"/>
+              <a:latin typeface="Arial"/>
             </a:endParaRPr>
           </a:p>
           <a:p>
@@ -4619,7 +4619,7 @@
               <a:t>int oldv = this.x;</a:t>
             </a:r>
             <a:endParaRPr b="0" lang="en-US" sz="1800" spc="-1" strike="noStrike">
-              <a:latin typeface="Courier New"/>
+              <a:latin typeface="Arial"/>
             </a:endParaRPr>
           </a:p>
           <a:p>
@@ -4636,7 +4636,7 @@
               <a:t>int newv = oldv + dx;</a:t>
             </a:r>
             <a:endParaRPr b="0" lang="en-US" sz="1800" spc="-1" strike="noStrike">
-              <a:latin typeface="Courier New"/>
+              <a:latin typeface="Arial"/>
             </a:endParaRPr>
           </a:p>
           <a:p>
@@ -4653,7 +4653,7 @@
               <a:t>if (dx &lt; 0) {</a:t>
             </a:r>
             <a:endParaRPr b="0" lang="en-US" sz="1800" spc="-1" strike="noStrike">
-              <a:latin typeface="Courier New"/>
+              <a:latin typeface="Arial"/>
             </a:endParaRPr>
           </a:p>
           <a:p>
@@ -4664,12 +4664,12 @@
               <a:t>...</a:t>
             </a:r>
             <a:endParaRPr b="0" lang="en-US" sz="1800" spc="-1" strike="noStrike">
-              <a:latin typeface="Courier New"/>
+              <a:latin typeface="Arial"/>
             </a:endParaRPr>
           </a:p>
           <a:p>
             <a:endParaRPr b="0" lang="en-US" sz="1800" spc="-1" strike="noStrike">
-              <a:latin typeface="Courier New"/>
+              <a:latin typeface="Arial"/>
             </a:endParaRPr>
           </a:p>
         </p:txBody>
@@ -4859,7 +4859,7 @@
               <a:t>public class Point {</a:t>
             </a:r>
             <a:endParaRPr b="0" lang="en-US" sz="1800" spc="-1" strike="noStrike">
-              <a:latin typeface="Courier New"/>
+              <a:latin typeface="Arial"/>
             </a:endParaRPr>
           </a:p>
           <a:p>
@@ -4876,7 +4876,7 @@
               <a:t>public int x;</a:t>
             </a:r>
             <a:endParaRPr b="0" lang="en-US" sz="1800" spc="-1" strike="noStrike">
-              <a:latin typeface="Courier New"/>
+              <a:latin typeface="Arial"/>
             </a:endParaRPr>
           </a:p>
           <a:p>
@@ -4893,12 +4893,12 @@
               <a:t>public int y;</a:t>
             </a:r>
             <a:endParaRPr b="0" lang="en-US" sz="1800" spc="-1" strike="noStrike">
-              <a:latin typeface="Courier New"/>
+              <a:latin typeface="Arial"/>
             </a:endParaRPr>
           </a:p>
           <a:p>
             <a:endParaRPr b="0" lang="en-US" sz="1800" spc="-1" strike="noStrike">
-              <a:latin typeface="Courier New"/>
+              <a:latin typeface="Arial"/>
             </a:endParaRPr>
           </a:p>
           <a:p>
@@ -4915,7 +4915,7 @@
               <a:t>public void translate(int dx, int dy) {</a:t>
             </a:r>
             <a:endParaRPr b="0" lang="en-US" sz="1800" spc="-1" strike="noStrike">
-              <a:latin typeface="Courier New"/>
+              <a:latin typeface="Arial"/>
             </a:endParaRPr>
           </a:p>
           <a:p>
@@ -4947,7 +4947,7 @@
               <a:t> = this.x;</a:t>
             </a:r>
             <a:endParaRPr b="0" lang="en-US" sz="1800" spc="-1" strike="noStrike">
-              <a:latin typeface="Courier New"/>
+              <a:latin typeface="Arial"/>
             </a:endParaRPr>
           </a:p>
           <a:p>
@@ -4979,7 +4979,7 @@
               <a:t> = oldv + dx;</a:t>
             </a:r>
             <a:endParaRPr b="0" lang="en-US" sz="1800" spc="-1" strike="noStrike">
-              <a:latin typeface="Courier New"/>
+              <a:latin typeface="Arial"/>
             </a:endParaRPr>
           </a:p>
           <a:p>
@@ -4996,7 +4996,7 @@
               <a:t>if (dx &lt; 0) {</a:t>
             </a:r>
             <a:endParaRPr b="0" lang="en-US" sz="1800" spc="-1" strike="noStrike">
-              <a:latin typeface="Courier New"/>
+              <a:latin typeface="Arial"/>
             </a:endParaRPr>
           </a:p>
           <a:p>
@@ -5007,12 +5007,12 @@
               <a:t>...</a:t>
             </a:r>
             <a:endParaRPr b="0" lang="en-US" sz="1800" spc="-1" strike="noStrike">
-              <a:latin typeface="Courier New"/>
+              <a:latin typeface="Arial"/>
             </a:endParaRPr>
           </a:p>
           <a:p>
             <a:endParaRPr b="0" lang="en-US" sz="1800" spc="-1" strike="noStrike">
-              <a:latin typeface="Courier New"/>
+              <a:latin typeface="Arial"/>
             </a:endParaRPr>
           </a:p>
         </p:txBody>
@@ -5202,7 +5202,7 @@
               <a:t>public class Point {</a:t>
             </a:r>
             <a:endParaRPr b="0" lang="en-US" sz="1800" spc="-1" strike="noStrike">
-              <a:latin typeface="Courier New"/>
+              <a:latin typeface="Arial"/>
             </a:endParaRPr>
           </a:p>
           <a:p>
@@ -5219,7 +5219,7 @@
               <a:t>public int x;</a:t>
             </a:r>
             <a:endParaRPr b="0" lang="en-US" sz="1800" spc="-1" strike="noStrike">
-              <a:latin typeface="Courier New"/>
+              <a:latin typeface="Arial"/>
             </a:endParaRPr>
           </a:p>
           <a:p>
@@ -5236,12 +5236,12 @@
               <a:t>public int y;</a:t>
             </a:r>
             <a:endParaRPr b="0" lang="en-US" sz="1800" spc="-1" strike="noStrike">
-              <a:latin typeface="Courier New"/>
+              <a:latin typeface="Arial"/>
             </a:endParaRPr>
           </a:p>
           <a:p>
             <a:endParaRPr b="0" lang="en-US" sz="1800" spc="-1" strike="noStrike">
-              <a:latin typeface="Courier New"/>
+              <a:latin typeface="Arial"/>
             </a:endParaRPr>
           </a:p>
           <a:p>
@@ -5258,7 +5258,7 @@
               <a:t>public void translate(int dx, int dy) {</a:t>
             </a:r>
             <a:endParaRPr b="0" lang="en-US" sz="1800" spc="-1" strike="noStrike">
-              <a:latin typeface="Courier New"/>
+              <a:latin typeface="Arial"/>
             </a:endParaRPr>
           </a:p>
           <a:p>
@@ -5290,7 +5290,7 @@
               <a:t>.x;</a:t>
             </a:r>
             <a:endParaRPr b="0" lang="en-US" sz="1800" spc="-1" strike="noStrike">
-              <a:latin typeface="Courier New"/>
+              <a:latin typeface="Arial"/>
             </a:endParaRPr>
           </a:p>
           <a:p>
@@ -5307,7 +5307,7 @@
               <a:t>int newv = oldv + dx;</a:t>
             </a:r>
             <a:endParaRPr b="0" lang="en-US" sz="1800" spc="-1" strike="noStrike">
-              <a:latin typeface="Courier New"/>
+              <a:latin typeface="Arial"/>
             </a:endParaRPr>
           </a:p>
           <a:p>
@@ -5324,7 +5324,7 @@
               <a:t>if (dx &lt; 0) {</a:t>
             </a:r>
             <a:endParaRPr b="0" lang="en-US" sz="1800" spc="-1" strike="noStrike">
-              <a:latin typeface="Courier New"/>
+              <a:latin typeface="Arial"/>
             </a:endParaRPr>
           </a:p>
           <a:p>
@@ -5335,12 +5335,12 @@
               <a:t>...</a:t>
             </a:r>
             <a:endParaRPr b="0" lang="en-US" sz="1800" spc="-1" strike="noStrike">
-              <a:latin typeface="Courier New"/>
+              <a:latin typeface="Arial"/>
             </a:endParaRPr>
           </a:p>
           <a:p>
             <a:endParaRPr b="0" lang="en-US" sz="1800" spc="-1" strike="noStrike">
-              <a:latin typeface="Courier New"/>
+              <a:latin typeface="Arial"/>
             </a:endParaRPr>
           </a:p>
         </p:txBody>
@@ -5496,7 +5496,7 @@
         <p:spPr>
           <a:xfrm>
             <a:off x="184680" y="1330200"/>
-            <a:ext cx="7130160" cy="2620800"/>
+            <a:ext cx="7130520" cy="2620800"/>
           </a:xfrm>
           <a:prstGeom prst="rect">
             <a:avLst/>
@@ -5588,7 +5588,7 @@
               <a:rPr b="0" lang="en-US" sz="1600" spc="-1" strike="noStrike">
                 <a:latin typeface="Courier New"/>
               </a:rPr>
-              <a:t>public static Point movePoint(</a:t>
+              <a:t>public static Point movePoint(P</a:t>
             </a:r>
             <a:r>
               <a:rPr b="0" lang="en-US" sz="1600" spc="-1" strike="noStrike">
@@ -5597,7 +5597,7 @@
                 </a:highlight>
                 <a:latin typeface="Courier New"/>
               </a:rPr>
-              <a:t>point pt</a:t>
+              <a:t>oint pt</a:t>
             </a:r>
             <a:r>
               <a:rPr b="0" lang="en-US" sz="1600" spc="-1" strike="noStrike">
@@ -6149,7 +6149,7 @@
         <p:spPr>
           <a:xfrm>
             <a:off x="184680" y="1330200"/>
-            <a:ext cx="7130160" cy="2620800"/>
+            <a:ext cx="7130520" cy="2620800"/>
           </a:xfrm>
           <a:prstGeom prst="rect">
             <a:avLst/>
@@ -6247,7 +6247,7 @@
               <a:rPr b="0" lang="en-US" sz="1600" spc="-1" strike="noStrike">
                 <a:latin typeface="Courier New"/>
               </a:rPr>
-              <a:t>public static Point movePoint(</a:t>
+              <a:t>public static Point movePoint(P</a:t>
             </a:r>
             <a:r>
               <a:rPr b="0" lang="en-US" sz="1600" spc="-1" strike="noStrike">
@@ -6256,7 +6256,7 @@
                 </a:highlight>
                 <a:latin typeface="Courier New"/>
               </a:rPr>
-              <a:t>point pt</a:t>
+              <a:t>oint pt</a:t>
             </a:r>
             <a:r>
               <a:rPr b="0" lang="en-US" sz="1600" spc="-1" strike="noStrike">
@@ -6629,9 +6629,6 @@
               <a:t>x</a:t>
             </a:r>
             <a:endParaRPr b="0" lang="en-US" sz="1400" spc="-1" strike="noStrike">
-              <a:solidFill>
-                <a:srgbClr val="b2b2b2"/>
-              </a:solidFill>
               <a:latin typeface="Arial"/>
             </a:endParaRPr>
           </a:p>
@@ -6671,9 +6668,6 @@
               <a:t>y</a:t>
             </a:r>
             <a:endParaRPr b="0" lang="en-US" sz="1400" spc="-1" strike="noStrike">
-              <a:solidFill>
-                <a:srgbClr val="b2b2b2"/>
-              </a:solidFill>
               <a:latin typeface="Arial"/>
             </a:endParaRPr>
           </a:p>
@@ -8243,7 +8237,7 @@
         <p:spPr>
           <a:xfrm>
             <a:off x="184680" y="1330200"/>
-            <a:ext cx="7130160" cy="2620800"/>
+            <a:ext cx="7130520" cy="2620800"/>
           </a:xfrm>
           <a:prstGeom prst="rect">
             <a:avLst/>
@@ -8338,7 +8332,7 @@
               <a:rPr b="0" lang="en-US" sz="1600" spc="-1" strike="noStrike">
                 <a:latin typeface="Courier New"/>
               </a:rPr>
-              <a:t>public static Point movePoint(</a:t>
+              <a:t>public static Point movePoint(P</a:t>
             </a:r>
             <a:r>
               <a:rPr b="0" lang="en-US" sz="1600" spc="-1" strike="noStrike">
@@ -8347,7 +8341,7 @@
                 </a:highlight>
                 <a:latin typeface="Courier New"/>
               </a:rPr>
-              <a:t>point pt</a:t>
+              <a:t>oint pt</a:t>
             </a:r>
             <a:r>
               <a:rPr b="0" lang="en-US" sz="1600" spc="-1" strike="noStrike">
@@ -8699,9 +8693,6 @@
               <a:t>x</a:t>
             </a:r>
             <a:endParaRPr b="0" lang="en-US" sz="1400" spc="-1" strike="noStrike">
-              <a:solidFill>
-                <a:srgbClr val="b2b2b2"/>
-              </a:solidFill>
               <a:latin typeface="Arial"/>
             </a:endParaRPr>
           </a:p>
@@ -8741,9 +8732,6 @@
               <a:t>y</a:t>
             </a:r>
             <a:endParaRPr b="0" lang="en-US" sz="1400" spc="-1" strike="noStrike">
-              <a:solidFill>
-                <a:srgbClr val="b2b2b2"/>
-              </a:solidFill>
               <a:latin typeface="Arial"/>
             </a:endParaRPr>
           </a:p>
@@ -9120,7 +9108,7 @@
         <p:spPr>
           <a:xfrm>
             <a:off x="184680" y="1330200"/>
-            <a:ext cx="7130160" cy="2620800"/>
+            <a:ext cx="7130520" cy="2620800"/>
           </a:xfrm>
           <a:prstGeom prst="rect">
             <a:avLst/>
@@ -9215,7 +9203,7 @@
               <a:rPr b="0" lang="en-US" sz="1600" spc="-1" strike="noStrike">
                 <a:latin typeface="Courier New"/>
               </a:rPr>
-              <a:t>public static Point movePoint(</a:t>
+              <a:t>public static Point movePoint(P</a:t>
             </a:r>
             <a:r>
               <a:rPr b="0" lang="en-US" sz="1600" spc="-1" strike="noStrike">
@@ -9224,7 +9212,7 @@
                 </a:highlight>
                 <a:latin typeface="Courier New"/>
               </a:rPr>
-              <a:t>point pt</a:t>
+              <a:t>oint pt</a:t>
             </a:r>
             <a:r>
               <a:rPr b="0" lang="en-US" sz="1600" spc="-1" strike="noStrike">
@@ -9747,7 +9735,7 @@
               <a:t>String</a:t>
             </a:r>
             <a:endParaRPr b="0" lang="en-US" sz="3600" spc="-1" strike="noStrike">
-              <a:latin typeface="Courier New"/>
+              <a:latin typeface="Arial"/>
             </a:endParaRPr>
           </a:p>
         </p:txBody>
@@ -10495,7 +10483,7 @@
               <a:t>StringBuilder</a:t>
             </a:r>
             <a:endParaRPr b="0" lang="en-US" sz="3600" spc="-1" strike="noStrike">
-              <a:latin typeface="Courier New"/>
+              <a:latin typeface="Arial"/>
             </a:endParaRPr>
           </a:p>
         </p:txBody>
@@ -11077,7 +11065,7 @@
               <a:t> Methods</a:t>
             </a:r>
             <a:endParaRPr b="0" lang="en-US" sz="3600" spc="-1" strike="noStrike">
-              <a:latin typeface="Courier New"/>
+              <a:latin typeface="Arial"/>
             </a:endParaRPr>
           </a:p>
         </p:txBody>
@@ -11090,7 +11078,7 @@
         </p:nvGraphicFramePr>
         <p:xfrm>
           <a:off x="779760" y="1275840"/>
-          <a:ext cx="7102080" cy="2879280"/>
+          <a:ext cx="8520480" cy="2879280"/>
         </p:xfrm>
         <a:graphic>
           <a:graphicData uri="http://schemas.openxmlformats.org/drawingml/2006/table">
@@ -11114,7 +11102,7 @@
                         <a:t>deleteCharAt(int index)</a:t>
                       </a:r>
                       <a:endParaRPr b="0" lang="en-US" sz="1800" spc="-1" strike="noStrike">
-                        <a:latin typeface="Courier New"/>
+                        <a:latin typeface="Arial"/>
                       </a:endParaRPr>
                     </a:p>
                   </a:txBody>
@@ -12185,7 +12173,7 @@
               <a:rPr b="0" lang="en-US" sz="1600" spc="-1" strike="noStrike">
                 <a:latin typeface="Courier New"/>
               </a:rPr>
-              <a:t>public static void movePoint(point pt, int dX, int dY) {</a:t>
+              <a:t>public static void movePoint(Point pt, int dX, int dY) {</a:t>
             </a:r>
             <a:endParaRPr b="0" lang="en-US" sz="1600" spc="-1" strike="noStrike">
               <a:latin typeface="Arial"/>
@@ -12786,7 +12774,7 @@
                 </a:highlight>
                 <a:latin typeface="Courier New"/>
               </a:rPr>
-              <a:t>point pt,</a:t>
+              <a:t>Point pt,</a:t>
             </a:r>
             <a:r>
               <a:rPr b="0" lang="en-US" sz="1600" spc="-1" strike="noStrike">
@@ -13418,7 +13406,7 @@
         <p:spPr>
           <a:xfrm>
             <a:off x="184680" y="1329840"/>
-            <a:ext cx="7008120" cy="2850840"/>
+            <a:ext cx="7008480" cy="2850840"/>
           </a:xfrm>
           <a:prstGeom prst="rect">
             <a:avLst/>
@@ -13501,7 +13489,7 @@
               <a:rPr b="0" lang="en-US" sz="1600" spc="-1" strike="noStrike">
                 <a:latin typeface="Courier New"/>
               </a:rPr>
-              <a:t>public static void movePoint(</a:t>
+              <a:t>public static void movePoint(P</a:t>
             </a:r>
             <a:r>
               <a:rPr b="0" lang="en-US" sz="1600" spc="-1" strike="noStrike">
@@ -13510,7 +13498,7 @@
                 </a:highlight>
                 <a:latin typeface="Courier New"/>
               </a:rPr>
-              <a:t>point pt</a:t>
+              <a:t>oint pt</a:t>
             </a:r>
             <a:r>
               <a:rPr b="0" lang="en-US" sz="1600" spc="-1" strike="noStrike">
@@ -14216,7 +14204,7 @@
                 </a:highlight>
                 <a:latin typeface="Courier New"/>
               </a:rPr>
-              <a:t>point pt</a:t>
+              <a:t>Point pt</a:t>
             </a:r>
             <a:r>
               <a:rPr b="0" lang="en-US" sz="1600" spc="-1" strike="noStrike">
@@ -14900,7 +14888,7 @@
         <p:spPr>
           <a:xfrm>
             <a:off x="184680" y="1329840"/>
-            <a:ext cx="7130160" cy="3310920"/>
+            <a:ext cx="7130520" cy="3310920"/>
           </a:xfrm>
           <a:prstGeom prst="rect">
             <a:avLst/>
@@ -14983,7 +14971,7 @@
               <a:rPr b="0" lang="en-US" sz="1600" spc="-1" strike="noStrike">
                 <a:latin typeface="Courier New"/>
               </a:rPr>
-              <a:t>public static Point movePoint(</a:t>
+              <a:t>public static Point movePoint(P</a:t>
             </a:r>
             <a:r>
               <a:rPr b="0" lang="en-US" sz="1600" spc="-1" strike="noStrike">
@@ -14992,7 +14980,7 @@
                 </a:highlight>
                 <a:latin typeface="Courier New"/>
               </a:rPr>
-              <a:t>point pt</a:t>
+              <a:t>oint pt</a:t>
             </a:r>
             <a:r>
               <a:rPr b="0" lang="en-US" sz="1600" spc="-1" strike="noStrike">
@@ -16016,7 +16004,7 @@
         <p:spPr>
           <a:xfrm>
             <a:off x="184680" y="1329840"/>
-            <a:ext cx="7130160" cy="3310920"/>
+            <a:ext cx="7130520" cy="3310920"/>
           </a:xfrm>
           <a:prstGeom prst="rect">
             <a:avLst/>
@@ -16099,7 +16087,7 @@
               <a:rPr b="0" lang="en-US" sz="1600" spc="-1" strike="noStrike">
                 <a:latin typeface="Courier New"/>
               </a:rPr>
-              <a:t>public static Point movePoint(</a:t>
+              <a:t>public static Point movePoint(P</a:t>
             </a:r>
             <a:r>
               <a:rPr b="0" lang="en-US" sz="1600" spc="-1" strike="noStrike">
@@ -16108,7 +16096,7 @@
                 </a:highlight>
                 <a:latin typeface="Courier New"/>
               </a:rPr>
-              <a:t>point pt</a:t>
+              <a:t>oint pt</a:t>
             </a:r>
             <a:r>
               <a:rPr b="0" lang="en-US" sz="1600" spc="-1" strike="noStrike">
